--- a/【小畑頌太朗】虎の穴_宿題.pptx
+++ b/【小畑頌太朗】虎の穴_宿題.pptx
@@ -877,8 +877,8 @@
         </p:nvSpPr>
         <p:spPr>
           <a:xfrm>
-            <a:off x="956948" y="685057"/>
-            <a:ext cx="4944300" cy="3429600"/>
+            <a:off x="1143000" y="685800"/>
+            <a:ext cx="4572000" cy="3429000"/>
           </a:xfrm>
           <a:custGeom>
             <a:avLst/>
@@ -981,8 +981,8 @@
         </p:nvSpPr>
         <p:spPr>
           <a:xfrm>
-            <a:off x="956948" y="685057"/>
-            <a:ext cx="4944300" cy="3429600"/>
+            <a:off x="1143000" y="685800"/>
+            <a:ext cx="4572000" cy="3429000"/>
           </a:xfrm>
           <a:custGeom>
             <a:avLst/>
@@ -1085,8 +1085,8 @@
         </p:nvSpPr>
         <p:spPr>
           <a:xfrm>
-            <a:off x="956948" y="685057"/>
-            <a:ext cx="4944300" cy="3429600"/>
+            <a:off x="1143000" y="685800"/>
+            <a:ext cx="4572000" cy="3429000"/>
           </a:xfrm>
           <a:custGeom>
             <a:avLst/>
@@ -6157,7 +6157,7 @@
           <p:nvPr>
             <p:extLst>
               <p:ext uri="{D42A27DB-BD31-4B8C-83A1-F6EECF244321}">
-                <p14:modId xmlns:p14="http://schemas.microsoft.com/office/powerpoint/2010/main" val="2552752890"/>
+                <p14:modId xmlns:p14="http://schemas.microsoft.com/office/powerpoint/2010/main" val="2175769359"/>
               </p:ext>
             </p:extLst>
           </p:nvPr>
@@ -6423,7 +6423,31 @@
                           <a:cs typeface="Meiryo"/>
                           <a:sym typeface="Meiryo"/>
                         </a:rPr>
-                        <a:t>【名前】さん</a:t>
+                        <a:t>【</a:t>
+                      </a:r>
+                      <a:r>
+                        <a:rPr lang="ja-JP" altLang="en-US" sz="1100" dirty="0">
+                          <a:solidFill>
+                            <a:schemeClr val="dk1"/>
+                          </a:solidFill>
+                          <a:latin typeface="Meiryo"/>
+                          <a:ea typeface="Meiryo"/>
+                          <a:cs typeface="Meiryo"/>
+                          <a:sym typeface="Meiryo"/>
+                        </a:rPr>
+                        <a:t>飯田</a:t>
+                      </a:r>
+                      <a:r>
+                        <a:rPr lang="ja" sz="1100" dirty="0">
+                          <a:solidFill>
+                            <a:schemeClr val="dk1"/>
+                          </a:solidFill>
+                          <a:latin typeface="Meiryo"/>
+                          <a:ea typeface="Meiryo"/>
+                          <a:cs typeface="Meiryo"/>
+                          <a:sym typeface="Meiryo"/>
+                        </a:rPr>
+                        <a:t>】さん</a:t>
                       </a:r>
                       <a:endParaRPr sz="1100" dirty="0">
                         <a:latin typeface="Meiryo"/>
@@ -7594,7 +7618,7 @@
         </p:nvGraphicFramePr>
         <p:xfrm>
           <a:off x="367211" y="988838"/>
-          <a:ext cx="3000000" cy="3000000"/>
+          <a:ext cx="8684750" cy="5217925"/>
         </p:xfrm>
         <a:graphic>
           <a:graphicData uri="http://schemas.openxmlformats.org/drawingml/2006/table">
@@ -8578,7 +8602,7 @@
         </p:nvGraphicFramePr>
         <p:xfrm>
           <a:off x="367211" y="988838"/>
-          <a:ext cx="3000000" cy="3000000"/>
+          <a:ext cx="8684750" cy="5217925"/>
         </p:xfrm>
         <a:graphic>
           <a:graphicData uri="http://schemas.openxmlformats.org/drawingml/2006/table">
@@ -9557,7 +9581,7 @@
         </p:nvGraphicFramePr>
         <p:xfrm>
           <a:off x="367211" y="988838"/>
-          <a:ext cx="3000000" cy="3000000"/>
+          <a:ext cx="8684750" cy="5217925"/>
         </p:xfrm>
         <a:graphic>
           <a:graphicData uri="http://schemas.openxmlformats.org/drawingml/2006/table">

--- a/【小畑頌太朗】虎の穴_宿題.pptx
+++ b/【小畑頌太朗】虎の穴_宿題.pptx
@@ -1189,8 +1189,8 @@
         </p:nvSpPr>
         <p:spPr>
           <a:xfrm>
-            <a:off x="956948" y="685057"/>
-            <a:ext cx="4944300" cy="3429600"/>
+            <a:off x="1143000" y="685800"/>
+            <a:ext cx="4572000" cy="3429000"/>
           </a:xfrm>
           <a:custGeom>
             <a:avLst/>
@@ -1293,8 +1293,8 @@
         </p:nvSpPr>
         <p:spPr>
           <a:xfrm>
-            <a:off x="956948" y="685057"/>
-            <a:ext cx="4944300" cy="3429600"/>
+            <a:off x="1143000" y="685800"/>
+            <a:ext cx="4572000" cy="3429000"/>
           </a:xfrm>
           <a:custGeom>
             <a:avLst/>
@@ -10556,11 +10556,17 @@
         <p:nvGraphicFramePr>
           <p:cNvPr id="96" name="Google Shape;96;p18"/>
           <p:cNvGraphicFramePr/>
-          <p:nvPr/>
+          <p:nvPr>
+            <p:extLst>
+              <p:ext uri="{D42A27DB-BD31-4B8C-83A1-F6EECF244321}">
+                <p14:modId xmlns:p14="http://schemas.microsoft.com/office/powerpoint/2010/main" val="2779309422"/>
+              </p:ext>
+            </p:extLst>
+          </p:nvPr>
         </p:nvGraphicFramePr>
         <p:xfrm>
           <a:off x="367211" y="988838"/>
-          <a:ext cx="3000000" cy="3000000"/>
+          <a:ext cx="8684750" cy="5217925"/>
         </p:xfrm>
         <a:graphic>
           <a:graphicData uri="http://schemas.openxmlformats.org/drawingml/2006/table">
@@ -10570,44 +10576,16 @@
                 <a:tableStyleId>{C8F3917D-305C-4518-89CD-A5EA758C04AC}</a:tableStyleId>
               </a:tblPr>
               <a:tblGrid>
-                <a:gridCol w="1592375">
+                <a:gridCol w="8684750">
                   <a:extLst>
                     <a:ext uri="{9D8B030D-6E8A-4147-A177-3AD203B41FA5}">
                       <a16:colId xmlns:a16="http://schemas.microsoft.com/office/drawing/2014/main" val="20000"/>
                     </a:ext>
                   </a:extLst>
                 </a:gridCol>
-                <a:gridCol w="2480625">
-                  <a:extLst>
-                    <a:ext uri="{9D8B030D-6E8A-4147-A177-3AD203B41FA5}">
-                      <a16:colId xmlns:a16="http://schemas.microsoft.com/office/drawing/2014/main" val="20001"/>
-                    </a:ext>
-                  </a:extLst>
-                </a:gridCol>
-                <a:gridCol w="1537250">
-                  <a:extLst>
-                    <a:ext uri="{9D8B030D-6E8A-4147-A177-3AD203B41FA5}">
-                      <a16:colId xmlns:a16="http://schemas.microsoft.com/office/drawing/2014/main" val="20002"/>
-                    </a:ext>
-                  </a:extLst>
-                </a:gridCol>
-                <a:gridCol w="2054150">
-                  <a:extLst>
-                    <a:ext uri="{9D8B030D-6E8A-4147-A177-3AD203B41FA5}">
-                      <a16:colId xmlns:a16="http://schemas.microsoft.com/office/drawing/2014/main" val="20003"/>
-                    </a:ext>
-                  </a:extLst>
-                </a:gridCol>
-                <a:gridCol w="1020350">
-                  <a:extLst>
-                    <a:ext uri="{9D8B030D-6E8A-4147-A177-3AD203B41FA5}">
-                      <a16:colId xmlns:a16="http://schemas.microsoft.com/office/drawing/2014/main" val="20004"/>
-                    </a:ext>
-                  </a:extLst>
-                </a:gridCol>
               </a:tblGrid>
-              <a:tr h="964450">
-                <a:tc rowSpan="2" gridSpan="5">
+              <a:tr h="1064450">
+                <a:tc>
                   <a:txBody>
                     <a:bodyPr/>
                     <a:lstStyle/>
@@ -10801,111 +10779,14 @@
                     </a:solidFill>
                   </a:tcPr>
                 </a:tc>
-                <a:tc rowSpan="2" hMerge="1">
-                  <a:txBody>
-                    <a:bodyPr/>
-                    <a:lstStyle/>
-                    <a:p>
-                      <a:endParaRPr lang="ja-JP"/>
-                    </a:p>
-                  </a:txBody>
-                  <a:tcPr/>
-                </a:tc>
-                <a:tc rowSpan="2" hMerge="1">
-                  <a:txBody>
-                    <a:bodyPr/>
-                    <a:lstStyle/>
-                    <a:p>
-                      <a:endParaRPr lang="ja-JP"/>
-                    </a:p>
-                  </a:txBody>
-                  <a:tcPr/>
-                </a:tc>
-                <a:tc rowSpan="2" hMerge="1">
-                  <a:txBody>
-                    <a:bodyPr/>
-                    <a:lstStyle/>
-                    <a:p>
-                      <a:endParaRPr lang="ja-JP"/>
-                    </a:p>
-                  </a:txBody>
-                  <a:tcPr/>
-                </a:tc>
-                <a:tc rowSpan="2" hMerge="1">
-                  <a:txBody>
-                    <a:bodyPr/>
-                    <a:lstStyle/>
-                    <a:p>
-                      <a:endParaRPr lang="ja-JP"/>
-                    </a:p>
-                  </a:txBody>
-                  <a:tcPr/>
-                </a:tc>
                 <a:extLst>
                   <a:ext uri="{0D108BD9-81ED-4DB2-BD59-A6C34878D82A}">
                     <a16:rowId xmlns:a16="http://schemas.microsoft.com/office/drawing/2014/main" val="10000"/>
                   </a:ext>
                 </a:extLst>
               </a:tr>
-              <a:tr h="100000">
-                <a:tc gridSpan="5" vMerge="1">
-                  <a:txBody>
-                    <a:bodyPr/>
-                    <a:lstStyle/>
-                    <a:p>
-                      <a:endParaRPr lang="ja-JP"/>
-                    </a:p>
-                  </a:txBody>
-                  <a:tcPr/>
-                </a:tc>
-                <a:tc hMerge="1" vMerge="1">
-                  <a:txBody>
-                    <a:bodyPr/>
-                    <a:lstStyle/>
-                    <a:p>
-                      <a:endParaRPr lang="ja-JP"/>
-                    </a:p>
-                  </a:txBody>
-                  <a:tcPr/>
-                </a:tc>
-                <a:tc hMerge="1" vMerge="1">
-                  <a:txBody>
-                    <a:bodyPr/>
-                    <a:lstStyle/>
-                    <a:p>
-                      <a:endParaRPr lang="ja-JP"/>
-                    </a:p>
-                  </a:txBody>
-                  <a:tcPr/>
-                </a:tc>
-                <a:tc hMerge="1" vMerge="1">
-                  <a:txBody>
-                    <a:bodyPr/>
-                    <a:lstStyle/>
-                    <a:p>
-                      <a:endParaRPr lang="ja-JP"/>
-                    </a:p>
-                  </a:txBody>
-                  <a:tcPr/>
-                </a:tc>
-                <a:tc hMerge="1" vMerge="1">
-                  <a:txBody>
-                    <a:bodyPr/>
-                    <a:lstStyle/>
-                    <a:p>
-                      <a:endParaRPr lang="ja-JP"/>
-                    </a:p>
-                  </a:txBody>
-                  <a:tcPr/>
-                </a:tc>
-                <a:extLst>
-                  <a:ext uri="{0D108BD9-81ED-4DB2-BD59-A6C34878D82A}">
-                    <a16:rowId xmlns:a16="http://schemas.microsoft.com/office/drawing/2014/main" val="10001"/>
-                  </a:ext>
-                </a:extLst>
-              </a:tr>
-              <a:tr h="419425">
-                <a:tc rowSpan="5" gridSpan="5">
+              <a:tr h="4153475">
+                <a:tc>
                   <a:txBody>
                     <a:bodyPr/>
                     <a:lstStyle/>
@@ -10919,9 +10800,507 @@
                         </a:spcAft>
                         <a:buNone/>
                       </a:pPr>
-                      <a:endParaRPr sz="1100">
+                      <a:r>
+                        <a:rPr lang="ja-JP" altLang="en-US" sz="1100" dirty="0">
+                          <a:solidFill>
+                            <a:schemeClr val="tx1"/>
+                          </a:solidFill>
+                          <a:latin typeface="Meiryo"/>
+                          <a:ea typeface="Meiryo"/>
+                          <a:cs typeface="Meiryo"/>
+                          <a:sym typeface="Meiryo"/>
+                        </a:rPr>
+                        <a:t>◆菅沼さん</a:t>
+                      </a:r>
+                    </a:p>
+                    <a:p>
+                      <a:pPr marL="0" lvl="0" indent="0" algn="l" rtl="0">
+                        <a:spcBef>
+                          <a:spcPts val="0"/>
+                        </a:spcBef>
+                        <a:spcAft>
+                          <a:spcPts val="0"/>
+                        </a:spcAft>
+                        <a:buNone/>
+                      </a:pPr>
+                      <a:r>
+                        <a:rPr lang="ja-JP" altLang="en-US" sz="1100" dirty="0">
+                          <a:solidFill>
+                            <a:schemeClr val="tx1"/>
+                          </a:solidFill>
+                          <a:latin typeface="Meiryo"/>
+                          <a:ea typeface="Meiryo"/>
+                          <a:cs typeface="Meiryo"/>
+                          <a:sym typeface="Meiryo"/>
+                        </a:rPr>
+                        <a:t>最初に肯定したのはよかった</a:t>
+                      </a:r>
+                    </a:p>
+                    <a:p>
+                      <a:pPr marL="0" lvl="0" indent="0" algn="l" rtl="0">
+                        <a:spcBef>
+                          <a:spcPts val="0"/>
+                        </a:spcBef>
+                        <a:spcAft>
+                          <a:spcPts val="0"/>
+                        </a:spcAft>
+                        <a:buNone/>
+                      </a:pPr>
+                      <a:r>
+                        <a:rPr lang="ja-JP" altLang="en-US" sz="1100" dirty="0">
+                          <a:solidFill>
+                            <a:schemeClr val="tx1"/>
+                          </a:solidFill>
+                          <a:latin typeface="Meiryo"/>
+                          <a:ea typeface="Meiryo"/>
+                          <a:cs typeface="Meiryo"/>
+                          <a:sym typeface="Meiryo"/>
+                        </a:rPr>
+                        <a:t>最初から目標に入るのは厳しい、最初にアイスブレイクというか、</a:t>
+                      </a:r>
+                    </a:p>
+                    <a:p>
+                      <a:pPr marL="0" lvl="0" indent="0" algn="l" rtl="0">
+                        <a:spcBef>
+                          <a:spcPts val="0"/>
+                        </a:spcBef>
+                        <a:spcAft>
+                          <a:spcPts val="0"/>
+                        </a:spcAft>
+                        <a:buNone/>
+                      </a:pPr>
+                      <a:r>
+                        <a:rPr lang="ja-JP" altLang="en-US" sz="1100" dirty="0">
+                          <a:solidFill>
+                            <a:schemeClr val="tx1"/>
+                          </a:solidFill>
+                          <a:latin typeface="Meiryo"/>
+                          <a:ea typeface="Meiryo"/>
+                          <a:cs typeface="Meiryo"/>
+                          <a:sym typeface="Meiryo"/>
+                        </a:rPr>
+                        <a:t>現場状況・研修状況のこと聞くのが良い。</a:t>
+                      </a:r>
+                    </a:p>
+                    <a:p>
+                      <a:pPr marL="0" lvl="0" indent="0" algn="l" rtl="0">
+                        <a:spcBef>
+                          <a:spcPts val="0"/>
+                        </a:spcBef>
+                        <a:spcAft>
+                          <a:spcPts val="0"/>
+                        </a:spcAft>
+                        <a:buNone/>
+                      </a:pPr>
+                      <a:r>
+                        <a:rPr lang="ja-JP" altLang="en-US" sz="1100" dirty="0">
+                          <a:solidFill>
+                            <a:schemeClr val="tx1"/>
+                          </a:solidFill>
+                          <a:latin typeface="Meiryo"/>
+                          <a:ea typeface="Meiryo"/>
+                          <a:cs typeface="Meiryo"/>
+                          <a:sym typeface="Meiryo"/>
+                        </a:rPr>
+                        <a:t>行動のメリットは伝えられていた。</a:t>
+                      </a:r>
+                    </a:p>
+                    <a:p>
+                      <a:pPr marL="0" lvl="0" indent="0" algn="l" rtl="0">
+                        <a:spcBef>
+                          <a:spcPts val="0"/>
+                        </a:spcBef>
+                        <a:spcAft>
+                          <a:spcPts val="0"/>
+                        </a:spcAft>
+                        <a:buNone/>
+                      </a:pPr>
+                      <a:r>
+                        <a:rPr lang="en-US" altLang="ja-JP" sz="1100" dirty="0">
+                          <a:solidFill>
+                            <a:schemeClr val="tx1"/>
+                          </a:solidFill>
+                          <a:latin typeface="Meiryo"/>
+                          <a:ea typeface="Meiryo"/>
+                          <a:cs typeface="Meiryo"/>
+                          <a:sym typeface="Meiryo"/>
+                        </a:rPr>
+                        <a:t>Group</a:t>
+                      </a:r>
+                      <a:r>
+                        <a:rPr lang="ja-JP" altLang="en-US" sz="1100" dirty="0">
+                          <a:solidFill>
+                            <a:schemeClr val="tx1"/>
+                          </a:solidFill>
+                          <a:latin typeface="Meiryo"/>
+                          <a:ea typeface="Meiryo"/>
+                          <a:cs typeface="Meiryo"/>
+                          <a:sym typeface="Meiryo"/>
+                        </a:rPr>
+                        <a:t>のハモディの企画をやってみるとか、</a:t>
+                      </a:r>
+                    </a:p>
+                    <a:p>
+                      <a:pPr marL="0" lvl="0" indent="0" algn="l" rtl="0">
+                        <a:spcBef>
+                          <a:spcPts val="0"/>
+                        </a:spcBef>
+                        <a:spcAft>
+                          <a:spcPts val="0"/>
+                        </a:spcAft>
+                        <a:buNone/>
+                      </a:pPr>
+                      <a:endParaRPr lang="ja-JP" altLang="en-US" sz="1100" dirty="0">
                         <a:solidFill>
-                          <a:srgbClr val="F3F3F3"/>
+                          <a:schemeClr val="tx1"/>
+                        </a:solidFill>
+                        <a:latin typeface="Meiryo"/>
+                        <a:ea typeface="Meiryo"/>
+                        <a:cs typeface="Meiryo"/>
+                        <a:sym typeface="Meiryo"/>
+                      </a:endParaRPr>
+                    </a:p>
+                    <a:p>
+                      <a:pPr marL="0" lvl="0" indent="0" algn="l" rtl="0">
+                        <a:spcBef>
+                          <a:spcPts val="0"/>
+                        </a:spcBef>
+                        <a:spcAft>
+                          <a:spcPts val="0"/>
+                        </a:spcAft>
+                        <a:buNone/>
+                      </a:pPr>
+                      <a:r>
+                        <a:rPr lang="ja-JP" altLang="en-US" sz="1100" dirty="0">
+                          <a:solidFill>
+                            <a:schemeClr val="tx1"/>
+                          </a:solidFill>
+                          <a:latin typeface="Meiryo"/>
+                          <a:ea typeface="Meiryo"/>
+                          <a:cs typeface="Meiryo"/>
+                          <a:sym typeface="Meiryo"/>
+                        </a:rPr>
+                        <a:t>考えさせる質問とよい</a:t>
+                      </a:r>
+                    </a:p>
+                    <a:p>
+                      <a:pPr marL="0" lvl="0" indent="0" algn="l" rtl="0">
+                        <a:spcBef>
+                          <a:spcPts val="0"/>
+                        </a:spcBef>
+                        <a:spcAft>
+                          <a:spcPts val="0"/>
+                        </a:spcAft>
+                        <a:buNone/>
+                      </a:pPr>
+                      <a:r>
+                        <a:rPr lang="ja-JP" altLang="en-US" sz="1100" dirty="0">
+                          <a:solidFill>
+                            <a:schemeClr val="tx1"/>
+                          </a:solidFill>
+                          <a:latin typeface="Meiryo"/>
+                          <a:ea typeface="Meiryo"/>
+                          <a:cs typeface="Meiryo"/>
+                          <a:sym typeface="Meiryo"/>
+                        </a:rPr>
+                        <a:t>主役は被評価者ということを忘れない</a:t>
+                      </a:r>
+                    </a:p>
+                    <a:p>
+                      <a:pPr marL="0" lvl="0" indent="0" algn="l" rtl="0">
+                        <a:spcBef>
+                          <a:spcPts val="0"/>
+                        </a:spcBef>
+                        <a:spcAft>
+                          <a:spcPts val="0"/>
+                        </a:spcAft>
+                        <a:buNone/>
+                      </a:pPr>
+                      <a:r>
+                        <a:rPr lang="ja-JP" altLang="en-US" sz="1100" dirty="0">
+                          <a:solidFill>
+                            <a:schemeClr val="tx1"/>
+                          </a:solidFill>
+                          <a:latin typeface="Meiryo"/>
+                          <a:ea typeface="Meiryo"/>
+                          <a:cs typeface="Meiryo"/>
+                          <a:sym typeface="Meiryo"/>
+                        </a:rPr>
+                        <a:t>中間面談までに具体化させるというのも手！</a:t>
+                      </a:r>
+                    </a:p>
+                    <a:p>
+                      <a:pPr marL="0" lvl="0" indent="0" algn="l" rtl="0">
+                        <a:spcBef>
+                          <a:spcPts val="0"/>
+                        </a:spcBef>
+                        <a:spcAft>
+                          <a:spcPts val="0"/>
+                        </a:spcAft>
+                        <a:buNone/>
+                      </a:pPr>
+                      <a:r>
+                        <a:rPr lang="ja-JP" altLang="en-US" sz="1100" dirty="0">
+                          <a:solidFill>
+                            <a:schemeClr val="tx1"/>
+                          </a:solidFill>
+                          <a:latin typeface="Meiryo"/>
+                          <a:ea typeface="Meiryo"/>
+                          <a:cs typeface="Meiryo"/>
+                          <a:sym typeface="Meiryo"/>
+                        </a:rPr>
+                        <a:t>具体性がない人ほどその手はよいかも</a:t>
+                      </a:r>
+                    </a:p>
+                    <a:p>
+                      <a:pPr marL="0" lvl="0" indent="0" algn="l" rtl="0">
+                        <a:spcBef>
+                          <a:spcPts val="0"/>
+                        </a:spcBef>
+                        <a:spcAft>
+                          <a:spcPts val="0"/>
+                        </a:spcAft>
+                        <a:buNone/>
+                      </a:pPr>
+                      <a:endParaRPr lang="ja-JP" altLang="en-US" sz="1100" dirty="0">
+                        <a:solidFill>
+                          <a:schemeClr val="tx1"/>
+                        </a:solidFill>
+                        <a:latin typeface="Meiryo"/>
+                        <a:ea typeface="Meiryo"/>
+                        <a:cs typeface="Meiryo"/>
+                        <a:sym typeface="Meiryo"/>
+                      </a:endParaRPr>
+                    </a:p>
+                    <a:p>
+                      <a:pPr marL="0" lvl="0" indent="0" algn="l" rtl="0">
+                        <a:spcBef>
+                          <a:spcPts val="0"/>
+                        </a:spcBef>
+                        <a:spcAft>
+                          <a:spcPts val="0"/>
+                        </a:spcAft>
+                        <a:buNone/>
+                      </a:pPr>
+                      <a:r>
+                        <a:rPr lang="ja-JP" altLang="en-US" sz="1100" dirty="0">
+                          <a:solidFill>
+                            <a:schemeClr val="tx1"/>
+                          </a:solidFill>
+                          <a:latin typeface="Meiryo"/>
+                          <a:ea typeface="Meiryo"/>
+                          <a:cs typeface="Meiryo"/>
+                          <a:sym typeface="Meiryo"/>
+                        </a:rPr>
+                        <a:t>◆永井さん</a:t>
+                      </a:r>
+                    </a:p>
+                    <a:p>
+                      <a:pPr marL="0" lvl="0" indent="0" algn="l" rtl="0">
+                        <a:spcBef>
+                          <a:spcPts val="0"/>
+                        </a:spcBef>
+                        <a:spcAft>
+                          <a:spcPts val="0"/>
+                        </a:spcAft>
+                        <a:buNone/>
+                      </a:pPr>
+                      <a:r>
+                        <a:rPr lang="ja-JP" altLang="en-US" sz="1100" dirty="0">
+                          <a:solidFill>
+                            <a:schemeClr val="tx1"/>
+                          </a:solidFill>
+                          <a:latin typeface="Meiryo"/>
+                          <a:ea typeface="Meiryo"/>
+                          <a:cs typeface="Meiryo"/>
+                          <a:sym typeface="Meiryo"/>
+                        </a:rPr>
+                        <a:t>最初に肯定するのはよかった。</a:t>
+                      </a:r>
+                    </a:p>
+                    <a:p>
+                      <a:pPr marL="0" lvl="0" indent="0" algn="l" rtl="0">
+                        <a:spcBef>
+                          <a:spcPts val="0"/>
+                        </a:spcBef>
+                        <a:spcAft>
+                          <a:spcPts val="0"/>
+                        </a:spcAft>
+                        <a:buNone/>
+                      </a:pPr>
+                      <a:r>
+                        <a:rPr lang="ja-JP" altLang="en-US" sz="1100" dirty="0">
+                          <a:solidFill>
+                            <a:schemeClr val="tx1"/>
+                          </a:solidFill>
+                          <a:latin typeface="Meiryo"/>
+                          <a:ea typeface="Meiryo"/>
+                          <a:cs typeface="Meiryo"/>
+                          <a:sym typeface="Meiryo"/>
+                        </a:rPr>
+                        <a:t>イベント計画実行までの期間大丈夫？</a:t>
+                      </a:r>
+                    </a:p>
+                    <a:p>
+                      <a:pPr marL="0" lvl="0" indent="0" algn="l" rtl="0">
+                        <a:spcBef>
+                          <a:spcPts val="0"/>
+                        </a:spcBef>
+                        <a:spcAft>
+                          <a:spcPts val="0"/>
+                        </a:spcAft>
+                        <a:buNone/>
+                      </a:pPr>
+                      <a:r>
+                        <a:rPr lang="ja-JP" altLang="en-US" sz="1100" dirty="0">
+                          <a:solidFill>
+                            <a:schemeClr val="tx1"/>
+                          </a:solidFill>
+                          <a:latin typeface="Meiryo"/>
+                          <a:ea typeface="Meiryo"/>
+                          <a:cs typeface="Meiryo"/>
+                          <a:sym typeface="Meiryo"/>
+                        </a:rPr>
+                        <a:t>具体的に行けるのかどうか。</a:t>
+                      </a:r>
+                    </a:p>
+                    <a:p>
+                      <a:pPr marL="0" lvl="0" indent="0" algn="l" rtl="0">
+                        <a:spcBef>
+                          <a:spcPts val="0"/>
+                        </a:spcBef>
+                        <a:spcAft>
+                          <a:spcPts val="0"/>
+                        </a:spcAft>
+                        <a:buNone/>
+                      </a:pPr>
+                      <a:r>
+                        <a:rPr lang="ja-JP" altLang="en-US" sz="1100" dirty="0">
+                          <a:solidFill>
+                            <a:schemeClr val="tx1"/>
+                          </a:solidFill>
+                          <a:latin typeface="Meiryo"/>
+                          <a:ea typeface="Meiryo"/>
+                          <a:cs typeface="Meiryo"/>
+                          <a:sym typeface="Meiryo"/>
+                        </a:rPr>
+                        <a:t>実際に調べながら寄り添ってみるとか。</a:t>
+                      </a:r>
+                    </a:p>
+                    <a:p>
+                      <a:pPr marL="0" lvl="0" indent="0" algn="l" rtl="0">
+                        <a:spcBef>
+                          <a:spcPts val="0"/>
+                        </a:spcBef>
+                        <a:spcAft>
+                          <a:spcPts val="0"/>
+                        </a:spcAft>
+                        <a:buNone/>
+                      </a:pPr>
+                      <a:endParaRPr lang="ja-JP" altLang="en-US" sz="1100" dirty="0">
+                        <a:solidFill>
+                          <a:schemeClr val="tx1"/>
+                        </a:solidFill>
+                        <a:latin typeface="Meiryo"/>
+                        <a:ea typeface="Meiryo"/>
+                        <a:cs typeface="Meiryo"/>
+                        <a:sym typeface="Meiryo"/>
+                      </a:endParaRPr>
+                    </a:p>
+                    <a:p>
+                      <a:pPr marL="0" lvl="0" indent="0" algn="l" rtl="0">
+                        <a:spcBef>
+                          <a:spcPts val="0"/>
+                        </a:spcBef>
+                        <a:spcAft>
+                          <a:spcPts val="0"/>
+                        </a:spcAft>
+                        <a:buNone/>
+                      </a:pPr>
+                      <a:r>
+                        <a:rPr lang="ja-JP" altLang="en-US" sz="1100" dirty="0">
+                          <a:solidFill>
+                            <a:schemeClr val="tx1"/>
+                          </a:solidFill>
+                          <a:latin typeface="Meiryo"/>
+                          <a:ea typeface="Meiryo"/>
+                          <a:cs typeface="Meiryo"/>
+                          <a:sym typeface="Meiryo"/>
+                        </a:rPr>
+                        <a:t>プライベートの時間が取れているか</a:t>
+                      </a:r>
+                    </a:p>
+                    <a:p>
+                      <a:pPr marL="0" lvl="0" indent="0" algn="l" rtl="0">
+                        <a:spcBef>
+                          <a:spcPts val="0"/>
+                        </a:spcBef>
+                        <a:spcAft>
+                          <a:spcPts val="0"/>
+                        </a:spcAft>
+                        <a:buNone/>
+                      </a:pPr>
+                      <a:r>
+                        <a:rPr lang="ja-JP" altLang="en-US" sz="1100" dirty="0">
+                          <a:solidFill>
+                            <a:schemeClr val="tx1"/>
+                          </a:solidFill>
+                          <a:latin typeface="Meiryo"/>
+                          <a:ea typeface="Meiryo"/>
+                          <a:cs typeface="Meiryo"/>
+                          <a:sym typeface="Meiryo"/>
+                        </a:rPr>
+                        <a:t>→現場状況</a:t>
+                      </a:r>
+                    </a:p>
+                    <a:p>
+                      <a:pPr marL="0" lvl="0" indent="0" algn="l" rtl="0">
+                        <a:spcBef>
+                          <a:spcPts val="0"/>
+                        </a:spcBef>
+                        <a:spcAft>
+                          <a:spcPts val="0"/>
+                        </a:spcAft>
+                        <a:buNone/>
+                      </a:pPr>
+                      <a:r>
+                        <a:rPr lang="ja-JP" altLang="en-US" sz="1100" dirty="0">
+                          <a:solidFill>
+                            <a:schemeClr val="tx1"/>
+                          </a:solidFill>
+                          <a:latin typeface="Meiryo"/>
+                          <a:ea typeface="Meiryo"/>
+                          <a:cs typeface="Meiryo"/>
+                          <a:sym typeface="Meiryo"/>
+                        </a:rPr>
+                        <a:t>→社内業務状況</a:t>
+                      </a:r>
+                    </a:p>
+                    <a:p>
+                      <a:pPr marL="0" lvl="0" indent="0" algn="l" rtl="0">
+                        <a:spcBef>
+                          <a:spcPts val="0"/>
+                        </a:spcBef>
+                        <a:spcAft>
+                          <a:spcPts val="0"/>
+                        </a:spcAft>
+                        <a:buNone/>
+                      </a:pPr>
+                      <a:r>
+                        <a:rPr lang="ja-JP" altLang="en-US" sz="1100" dirty="0">
+                          <a:solidFill>
+                            <a:schemeClr val="tx1"/>
+                          </a:solidFill>
+                          <a:latin typeface="Meiryo"/>
+                          <a:ea typeface="Meiryo"/>
+                          <a:cs typeface="Meiryo"/>
+                          <a:sym typeface="Meiryo"/>
+                        </a:rPr>
+                        <a:t>一通り聞いてから、目標に触れる</a:t>
+                      </a:r>
+                      <a:endParaRPr sz="1100" dirty="0">
+                        <a:solidFill>
+                          <a:schemeClr val="tx1"/>
                         </a:solidFill>
                         <a:highlight>
                           <a:srgbClr val="FF0000"/>
@@ -10952,7 +11331,7 @@
                       <a:headEnd type="none" w="sm" len="sm"/>
                       <a:tailEnd type="none" w="sm" len="sm"/>
                     </a:lnR>
-                    <a:lnT w="12700" cap="flat" cmpd="sng">
+                    <a:lnT w="12700" cap="flat" cmpd="sng" algn="ctr">
                       <a:solidFill>
                         <a:schemeClr val="dk1"/>
                       </a:solidFill>
@@ -10975,277 +11354,9 @@
                     </a:solidFill>
                   </a:tcPr>
                 </a:tc>
-                <a:tc rowSpan="5" hMerge="1">
-                  <a:txBody>
-                    <a:bodyPr/>
-                    <a:lstStyle/>
-                    <a:p>
-                      <a:endParaRPr lang="ja-JP"/>
-                    </a:p>
-                  </a:txBody>
-                  <a:tcPr/>
-                </a:tc>
-                <a:tc rowSpan="5" hMerge="1">
-                  <a:txBody>
-                    <a:bodyPr/>
-                    <a:lstStyle/>
-                    <a:p>
-                      <a:endParaRPr lang="ja-JP"/>
-                    </a:p>
-                  </a:txBody>
-                  <a:tcPr/>
-                </a:tc>
-                <a:tc rowSpan="5" hMerge="1">
-                  <a:txBody>
-                    <a:bodyPr/>
-                    <a:lstStyle/>
-                    <a:p>
-                      <a:endParaRPr lang="ja-JP"/>
-                    </a:p>
-                  </a:txBody>
-                  <a:tcPr/>
-                </a:tc>
-                <a:tc rowSpan="5" hMerge="1">
-                  <a:txBody>
-                    <a:bodyPr/>
-                    <a:lstStyle/>
-                    <a:p>
-                      <a:endParaRPr lang="ja-JP"/>
-                    </a:p>
-                  </a:txBody>
-                  <a:tcPr/>
-                </a:tc>
                 <a:extLst>
                   <a:ext uri="{0D108BD9-81ED-4DB2-BD59-A6C34878D82A}">
                     <a16:rowId xmlns:a16="http://schemas.microsoft.com/office/drawing/2014/main" val="10002"/>
-                  </a:ext>
-                </a:extLst>
-              </a:tr>
-              <a:tr h="131100">
-                <a:tc gridSpan="5" vMerge="1">
-                  <a:txBody>
-                    <a:bodyPr/>
-                    <a:lstStyle/>
-                    <a:p>
-                      <a:endParaRPr lang="ja-JP"/>
-                    </a:p>
-                  </a:txBody>
-                  <a:tcPr/>
-                </a:tc>
-                <a:tc hMerge="1" vMerge="1">
-                  <a:txBody>
-                    <a:bodyPr/>
-                    <a:lstStyle/>
-                    <a:p>
-                      <a:endParaRPr lang="ja-JP"/>
-                    </a:p>
-                  </a:txBody>
-                  <a:tcPr/>
-                </a:tc>
-                <a:tc hMerge="1" vMerge="1">
-                  <a:txBody>
-                    <a:bodyPr/>
-                    <a:lstStyle/>
-                    <a:p>
-                      <a:endParaRPr lang="ja-JP"/>
-                    </a:p>
-                  </a:txBody>
-                  <a:tcPr/>
-                </a:tc>
-                <a:tc hMerge="1" vMerge="1">
-                  <a:txBody>
-                    <a:bodyPr/>
-                    <a:lstStyle/>
-                    <a:p>
-                      <a:endParaRPr lang="ja-JP"/>
-                    </a:p>
-                  </a:txBody>
-                  <a:tcPr/>
-                </a:tc>
-                <a:tc hMerge="1" vMerge="1">
-                  <a:txBody>
-                    <a:bodyPr/>
-                    <a:lstStyle/>
-                    <a:p>
-                      <a:endParaRPr lang="ja-JP"/>
-                    </a:p>
-                  </a:txBody>
-                  <a:tcPr/>
-                </a:tc>
-                <a:extLst>
-                  <a:ext uri="{0D108BD9-81ED-4DB2-BD59-A6C34878D82A}">
-                    <a16:rowId xmlns:a16="http://schemas.microsoft.com/office/drawing/2014/main" val="10003"/>
-                  </a:ext>
-                </a:extLst>
-              </a:tr>
-              <a:tr h="419425">
-                <a:tc gridSpan="5" vMerge="1">
-                  <a:txBody>
-                    <a:bodyPr/>
-                    <a:lstStyle/>
-                    <a:p>
-                      <a:endParaRPr lang="ja-JP"/>
-                    </a:p>
-                  </a:txBody>
-                  <a:tcPr/>
-                </a:tc>
-                <a:tc hMerge="1" vMerge="1">
-                  <a:txBody>
-                    <a:bodyPr/>
-                    <a:lstStyle/>
-                    <a:p>
-                      <a:endParaRPr lang="ja-JP"/>
-                    </a:p>
-                  </a:txBody>
-                  <a:tcPr/>
-                </a:tc>
-                <a:tc hMerge="1" vMerge="1">
-                  <a:txBody>
-                    <a:bodyPr/>
-                    <a:lstStyle/>
-                    <a:p>
-                      <a:endParaRPr lang="ja-JP"/>
-                    </a:p>
-                  </a:txBody>
-                  <a:tcPr/>
-                </a:tc>
-                <a:tc hMerge="1" vMerge="1">
-                  <a:txBody>
-                    <a:bodyPr/>
-                    <a:lstStyle/>
-                    <a:p>
-                      <a:endParaRPr lang="ja-JP"/>
-                    </a:p>
-                  </a:txBody>
-                  <a:tcPr/>
-                </a:tc>
-                <a:tc hMerge="1" vMerge="1">
-                  <a:txBody>
-                    <a:bodyPr/>
-                    <a:lstStyle/>
-                    <a:p>
-                      <a:endParaRPr lang="ja-JP"/>
-                    </a:p>
-                  </a:txBody>
-                  <a:tcPr/>
-                </a:tc>
-                <a:extLst>
-                  <a:ext uri="{0D108BD9-81ED-4DB2-BD59-A6C34878D82A}">
-                    <a16:rowId xmlns:a16="http://schemas.microsoft.com/office/drawing/2014/main" val="10004"/>
-                  </a:ext>
-                </a:extLst>
-              </a:tr>
-              <a:tr h="941000">
-                <a:tc gridSpan="5" vMerge="1">
-                  <a:txBody>
-                    <a:bodyPr/>
-                    <a:lstStyle/>
-                    <a:p>
-                      <a:endParaRPr lang="ja-JP"/>
-                    </a:p>
-                  </a:txBody>
-                  <a:tcPr/>
-                </a:tc>
-                <a:tc hMerge="1" vMerge="1">
-                  <a:txBody>
-                    <a:bodyPr/>
-                    <a:lstStyle/>
-                    <a:p>
-                      <a:endParaRPr lang="ja-JP"/>
-                    </a:p>
-                  </a:txBody>
-                  <a:tcPr/>
-                </a:tc>
-                <a:tc hMerge="1" vMerge="1">
-                  <a:txBody>
-                    <a:bodyPr/>
-                    <a:lstStyle/>
-                    <a:p>
-                      <a:endParaRPr lang="ja-JP"/>
-                    </a:p>
-                  </a:txBody>
-                  <a:tcPr/>
-                </a:tc>
-                <a:tc hMerge="1" vMerge="1">
-                  <a:txBody>
-                    <a:bodyPr/>
-                    <a:lstStyle/>
-                    <a:p>
-                      <a:endParaRPr lang="ja-JP"/>
-                    </a:p>
-                  </a:txBody>
-                  <a:tcPr/>
-                </a:tc>
-                <a:tc hMerge="1" vMerge="1">
-                  <a:txBody>
-                    <a:bodyPr/>
-                    <a:lstStyle/>
-                    <a:p>
-                      <a:endParaRPr lang="ja-JP"/>
-                    </a:p>
-                  </a:txBody>
-                  <a:tcPr/>
-                </a:tc>
-                <a:extLst>
-                  <a:ext uri="{0D108BD9-81ED-4DB2-BD59-A6C34878D82A}">
-                    <a16:rowId xmlns:a16="http://schemas.microsoft.com/office/drawing/2014/main" val="10005"/>
-                  </a:ext>
-                </a:extLst>
-              </a:tr>
-              <a:tr h="2242525">
-                <a:tc gridSpan="5" vMerge="1">
-                  <a:txBody>
-                    <a:bodyPr/>
-                    <a:lstStyle/>
-                    <a:p>
-                      <a:endParaRPr lang="ja-JP"/>
-                    </a:p>
-                  </a:txBody>
-                  <a:tcPr/>
-                </a:tc>
-                <a:tc hMerge="1" vMerge="1">
-                  <a:txBody>
-                    <a:bodyPr/>
-                    <a:lstStyle/>
-                    <a:p>
-                      <a:endParaRPr lang="ja-JP"/>
-                    </a:p>
-                  </a:txBody>
-                  <a:tcPr/>
-                </a:tc>
-                <a:tc hMerge="1" vMerge="1">
-                  <a:txBody>
-                    <a:bodyPr/>
-                    <a:lstStyle/>
-                    <a:p>
-                      <a:endParaRPr lang="ja-JP"/>
-                    </a:p>
-                  </a:txBody>
-                  <a:tcPr/>
-                </a:tc>
-                <a:tc hMerge="1" vMerge="1">
-                  <a:txBody>
-                    <a:bodyPr/>
-                    <a:lstStyle/>
-                    <a:p>
-                      <a:endParaRPr lang="ja-JP"/>
-                    </a:p>
-                  </a:txBody>
-                  <a:tcPr/>
-                </a:tc>
-                <a:tc hMerge="1" vMerge="1">
-                  <a:txBody>
-                    <a:bodyPr/>
-                    <a:lstStyle/>
-                    <a:p>
-                      <a:endParaRPr lang="ja-JP"/>
-                    </a:p>
-                  </a:txBody>
-                  <a:tcPr/>
-                </a:tc>
-                <a:extLst>
-                  <a:ext uri="{0D108BD9-81ED-4DB2-BD59-A6C34878D82A}">
-                    <a16:rowId xmlns:a16="http://schemas.microsoft.com/office/drawing/2014/main" val="10006"/>
                   </a:ext>
                 </a:extLst>
               </a:tr>
@@ -11450,7 +11561,7 @@
         </p:nvGraphicFramePr>
         <p:xfrm>
           <a:off x="367211" y="988838"/>
-          <a:ext cx="3000000" cy="3000000"/>
+          <a:ext cx="8684750" cy="5217925"/>
         </p:xfrm>
         <a:graphic>
           <a:graphicData uri="http://schemas.openxmlformats.org/drawingml/2006/table">
